--- a/PPT/Lec1 Quick review/1-Vue-Introduction.pptx
+++ b/PPT/Lec1 Quick review/1-Vue-Introduction.pptx
@@ -5,7 +5,7 @@
     <p:sldMasterId id="2147483660" r:id="rId1"/>
   </p:sldMasterIdLst>
   <p:notesMasterIdLst>
-    <p:notesMasterId r:id="rId27"/>
+    <p:notesMasterId r:id="rId29"/>
   </p:notesMasterIdLst>
   <p:sldIdLst>
     <p:sldId id="268" r:id="rId2"/>
@@ -23,16 +23,18 @@
     <p:sldId id="305" r:id="rId14"/>
     <p:sldId id="304" r:id="rId15"/>
     <p:sldId id="307" r:id="rId16"/>
-    <p:sldId id="285" r:id="rId17"/>
-    <p:sldId id="301" r:id="rId18"/>
-    <p:sldId id="302" r:id="rId19"/>
-    <p:sldId id="303" r:id="rId20"/>
-    <p:sldId id="300" r:id="rId21"/>
-    <p:sldId id="267" r:id="rId22"/>
-    <p:sldId id="273" r:id="rId23"/>
-    <p:sldId id="269" r:id="rId24"/>
-    <p:sldId id="282" r:id="rId25"/>
-    <p:sldId id="298" r:id="rId26"/>
+    <p:sldId id="309" r:id="rId17"/>
+    <p:sldId id="285" r:id="rId18"/>
+    <p:sldId id="301" r:id="rId19"/>
+    <p:sldId id="308" r:id="rId20"/>
+    <p:sldId id="302" r:id="rId21"/>
+    <p:sldId id="303" r:id="rId22"/>
+    <p:sldId id="300" r:id="rId23"/>
+    <p:sldId id="267" r:id="rId24"/>
+    <p:sldId id="273" r:id="rId25"/>
+    <p:sldId id="269" r:id="rId26"/>
+    <p:sldId id="282" r:id="rId27"/>
+    <p:sldId id="298" r:id="rId28"/>
   </p:sldIdLst>
   <p:sldSz cx="9144000" cy="6858000" type="screen4x3"/>
   <p:notesSz cx="6858000" cy="9144000"/>
@@ -5478,7 +5480,7 @@
             <a:fld id="{EA38CB6D-63C9-464B-889E-D8FE438905A2}" type="datetimeFigureOut">
               <a:rPr lang="ar-EG" smtClean="0"/>
               <a:pPr/>
-              <a:t>27/05/1440</a:t>
+              <a:t>16/08/1440</a:t>
             </a:fld>
             <a:endParaRPr lang="ar-EG"/>
           </a:p>
@@ -6337,7 +6339,7 @@
             <a:fld id="{1D8BD707-D9CF-40AE-B4C6-C98DA3205C09}" type="datetimeFigureOut">
               <a:rPr lang="en-US" smtClean="0"/>
               <a:pPr/>
-              <a:t>2/2/2019</a:t>
+              <a:t>4/21/2019</a:t>
             </a:fld>
             <a:endParaRPr lang="en-US"/>
           </a:p>
@@ -6504,7 +6506,7 @@
             <a:fld id="{1D8BD707-D9CF-40AE-B4C6-C98DA3205C09}" type="datetimeFigureOut">
               <a:rPr lang="en-US" smtClean="0"/>
               <a:pPr/>
-              <a:t>2/2/2019</a:t>
+              <a:t>4/21/2019</a:t>
             </a:fld>
             <a:endParaRPr lang="en-US"/>
           </a:p>
@@ -6681,7 +6683,7 @@
             <a:fld id="{1D8BD707-D9CF-40AE-B4C6-C98DA3205C09}" type="datetimeFigureOut">
               <a:rPr lang="en-US" smtClean="0"/>
               <a:pPr/>
-              <a:t>2/2/2019</a:t>
+              <a:t>4/21/2019</a:t>
             </a:fld>
             <a:endParaRPr lang="en-US"/>
           </a:p>
@@ -6848,7 +6850,7 @@
             <a:fld id="{1D8BD707-D9CF-40AE-B4C6-C98DA3205C09}" type="datetimeFigureOut">
               <a:rPr lang="en-US" smtClean="0"/>
               <a:pPr/>
-              <a:t>2/2/2019</a:t>
+              <a:t>4/21/2019</a:t>
             </a:fld>
             <a:endParaRPr lang="en-US"/>
           </a:p>
@@ -7091,7 +7093,7 @@
             <a:fld id="{1D8BD707-D9CF-40AE-B4C6-C98DA3205C09}" type="datetimeFigureOut">
               <a:rPr lang="en-US" smtClean="0"/>
               <a:pPr/>
-              <a:t>2/2/2019</a:t>
+              <a:t>4/21/2019</a:t>
             </a:fld>
             <a:endParaRPr lang="en-US"/>
           </a:p>
@@ -7376,7 +7378,7 @@
             <a:fld id="{1D8BD707-D9CF-40AE-B4C6-C98DA3205C09}" type="datetimeFigureOut">
               <a:rPr lang="en-US" smtClean="0"/>
               <a:pPr/>
-              <a:t>2/2/2019</a:t>
+              <a:t>4/21/2019</a:t>
             </a:fld>
             <a:endParaRPr lang="en-US"/>
           </a:p>
@@ -7795,7 +7797,7 @@
             <a:fld id="{1D8BD707-D9CF-40AE-B4C6-C98DA3205C09}" type="datetimeFigureOut">
               <a:rPr lang="en-US" smtClean="0"/>
               <a:pPr/>
-              <a:t>2/2/2019</a:t>
+              <a:t>4/21/2019</a:t>
             </a:fld>
             <a:endParaRPr lang="en-US"/>
           </a:p>
@@ -7910,7 +7912,7 @@
             <a:fld id="{1D8BD707-D9CF-40AE-B4C6-C98DA3205C09}" type="datetimeFigureOut">
               <a:rPr lang="en-US" smtClean="0"/>
               <a:pPr/>
-              <a:t>2/2/2019</a:t>
+              <a:t>4/21/2019</a:t>
             </a:fld>
             <a:endParaRPr lang="en-US"/>
           </a:p>
@@ -8002,7 +8004,7 @@
             <a:fld id="{1D8BD707-D9CF-40AE-B4C6-C98DA3205C09}" type="datetimeFigureOut">
               <a:rPr lang="en-US" smtClean="0"/>
               <a:pPr/>
-              <a:t>2/2/2019</a:t>
+              <a:t>4/21/2019</a:t>
             </a:fld>
             <a:endParaRPr lang="en-US"/>
           </a:p>
@@ -8276,7 +8278,7 @@
             <a:fld id="{1D8BD707-D9CF-40AE-B4C6-C98DA3205C09}" type="datetimeFigureOut">
               <a:rPr lang="en-US" smtClean="0"/>
               <a:pPr/>
-              <a:t>2/2/2019</a:t>
+              <a:t>4/21/2019</a:t>
             </a:fld>
             <a:endParaRPr lang="en-US"/>
           </a:p>
@@ -8526,7 +8528,7 @@
             <a:fld id="{1D8BD707-D9CF-40AE-B4C6-C98DA3205C09}" type="datetimeFigureOut">
               <a:rPr lang="en-US" smtClean="0"/>
               <a:pPr/>
-              <a:t>2/2/2019</a:t>
+              <a:t>4/21/2019</a:t>
             </a:fld>
             <a:endParaRPr lang="en-US"/>
           </a:p>
@@ -8736,7 +8738,7 @@
             <a:fld id="{1D8BD707-D9CF-40AE-B4C6-C98DA3205C09}" type="datetimeFigureOut">
               <a:rPr lang="en-US" smtClean="0"/>
               <a:pPr/>
-              <a:t>2/2/2019</a:t>
+              <a:t>4/21/2019</a:t>
             </a:fld>
             <a:endParaRPr lang="en-US"/>
           </a:p>
@@ -11320,8 +11322,34 @@
         </p:blipFill>
         <p:spPr bwMode="auto">
           <a:xfrm>
-            <a:off x="1752600" y="2438400"/>
+            <a:off x="228600" y="1981200"/>
             <a:ext cx="4419600" cy="2752725"/>
+          </a:xfrm>
+          <a:prstGeom prst="rect">
+            <a:avLst/>
+          </a:prstGeom>
+          <a:noFill/>
+        </p:spPr>
+      </p:pic>
+      <p:pic>
+        <p:nvPicPr>
+          <p:cNvPr id="13314" name="Picture 2" descr="https://www.json.org/value.gif"/>
+          <p:cNvPicPr>
+            <a:picLocks noChangeAspect="1" noChangeArrowheads="1"/>
+          </p:cNvPicPr>
+          <p:nvPr/>
+        </p:nvPicPr>
+        <p:blipFill>
+          <a:blip r:embed="rId4"/>
+          <a:srcRect/>
+          <a:stretch>
+            <a:fillRect/>
+          </a:stretch>
+        </p:blipFill>
+        <p:spPr bwMode="auto">
+          <a:xfrm>
+            <a:off x="4876800" y="1981200"/>
+            <a:ext cx="4267200" cy="2647951"/>
           </a:xfrm>
           <a:prstGeom prst="rect">
             <a:avLst/>
@@ -11367,6 +11395,87 @@
         <p:spPr/>
         <p:txBody>
           <a:bodyPr>
+            <a:normAutofit fontScale="90000"/>
+          </a:bodyPr>
+          <a:lstStyle/>
+          <a:p>
+            <a:r>
+              <a:rPr lang="en-US" dirty="0" err="1" smtClean="0"/>
+              <a:t>Git</a:t>
+            </a:r>
+            <a:r>
+              <a:rPr lang="en-US" dirty="0" smtClean="0"/>
+              <a:t> </a:t>
+            </a:r>
+            <a:r>
+              <a:rPr lang="en-US" dirty="0" smtClean="0"/>
+              <a:t>distributed version control system </a:t>
+            </a:r>
+            <a:endParaRPr lang="ar-EG" dirty="0"/>
+          </a:p>
+        </p:txBody>
+      </p:sp>
+      <p:pic>
+        <p:nvPicPr>
+          <p:cNvPr id="4" name="Content Placeholder 3" descr="Git.png"/>
+          <p:cNvPicPr>
+            <a:picLocks noGrp="1" noChangeAspect="1"/>
+          </p:cNvPicPr>
+          <p:nvPr>
+            <p:ph idx="1"/>
+          </p:nvPr>
+        </p:nvPicPr>
+        <p:blipFill>
+          <a:blip r:embed="rId2"/>
+          <a:stretch>
+            <a:fillRect/>
+          </a:stretch>
+        </p:blipFill>
+        <p:spPr>
+          <a:xfrm>
+            <a:off x="762001" y="1005682"/>
+            <a:ext cx="6827308" cy="5120481"/>
+          </a:xfrm>
+        </p:spPr>
+      </p:pic>
+    </p:spTree>
+  </p:cSld>
+  <p:clrMapOvr>
+    <a:masterClrMapping/>
+  </p:clrMapOvr>
+</p:sld>
+</file>
+
+<file path=ppt/slides/slide17.xml><?xml version="1.0" encoding="utf-8"?>
+<p:sld xmlns:a="http://schemas.openxmlformats.org/drawingml/2006/main" xmlns:r="http://schemas.openxmlformats.org/officeDocument/2006/relationships" xmlns:p="http://schemas.openxmlformats.org/presentationml/2006/main">
+  <p:cSld>
+    <p:spTree>
+      <p:nvGrpSpPr>
+        <p:cNvPr id="1" name=""/>
+        <p:cNvGrpSpPr/>
+        <p:nvPr/>
+      </p:nvGrpSpPr>
+      <p:grpSpPr>
+        <a:xfrm>
+          <a:off x="0" y="0"/>
+          <a:ext cx="0" cy="0"/>
+          <a:chOff x="0" y="0"/>
+          <a:chExt cx="0" cy="0"/>
+        </a:xfrm>
+      </p:grpSpPr>
+      <p:sp>
+        <p:nvSpPr>
+          <p:cNvPr id="2" name="Title 1"/>
+          <p:cNvSpPr>
+            <a:spLocks noGrp="1"/>
+          </p:cNvSpPr>
+          <p:nvPr>
+            <p:ph type="title"/>
+          </p:nvPr>
+        </p:nvSpPr>
+        <p:spPr/>
+        <p:txBody>
+          <a:bodyPr>
             <a:noAutofit/>
           </a:bodyPr>
           <a:lstStyle/>
@@ -11498,7 +11607,7 @@
 </p:sld>
 </file>
 
-<file path=ppt/slides/slide17.xml><?xml version="1.0" encoding="utf-8"?>
+<file path=ppt/slides/slide18.xml><?xml version="1.0" encoding="utf-8"?>
 <p:sld xmlns:a="http://schemas.openxmlformats.org/drawingml/2006/main" xmlns:r="http://schemas.openxmlformats.org/officeDocument/2006/relationships" xmlns:p="http://schemas.openxmlformats.org/presentationml/2006/main">
   <p:cSld>
     <p:spTree>
@@ -11585,7 +11694,303 @@
 </p:sld>
 </file>
 
-<file path=ppt/slides/slide18.xml><?xml version="1.0" encoding="utf-8"?>
+<file path=ppt/slides/slide19.xml><?xml version="1.0" encoding="utf-8"?>
+<p:sld xmlns:a="http://schemas.openxmlformats.org/drawingml/2006/main" xmlns:r="http://schemas.openxmlformats.org/officeDocument/2006/relationships" xmlns:p="http://schemas.openxmlformats.org/presentationml/2006/main">
+  <p:cSld>
+    <p:spTree>
+      <p:nvGrpSpPr>
+        <p:cNvPr id="1" name=""/>
+        <p:cNvGrpSpPr/>
+        <p:nvPr/>
+      </p:nvGrpSpPr>
+      <p:grpSpPr>
+        <a:xfrm>
+          <a:off x="0" y="0"/>
+          <a:ext cx="0" cy="0"/>
+          <a:chOff x="0" y="0"/>
+          <a:chExt cx="0" cy="0"/>
+        </a:xfrm>
+      </p:grpSpPr>
+      <p:sp>
+        <p:nvSpPr>
+          <p:cNvPr id="10" name="Title 1"/>
+          <p:cNvSpPr>
+            <a:spLocks noGrp="1"/>
+          </p:cNvSpPr>
+          <p:nvPr>
+            <p:ph type="title"/>
+          </p:nvPr>
+        </p:nvSpPr>
+        <p:spPr>
+          <a:xfrm>
+            <a:off x="60358" y="0"/>
+            <a:ext cx="9083642" cy="1034472"/>
+          </a:xfrm>
+        </p:spPr>
+        <p:txBody>
+          <a:bodyPr/>
+          <a:lstStyle/>
+          <a:p>
+            <a:r>
+              <a:rPr lang="en-US" dirty="0" smtClean="0"/>
+              <a:t>Features	</a:t>
+            </a:r>
+            <a:endParaRPr lang="en-US" dirty="0"/>
+          </a:p>
+        </p:txBody>
+      </p:sp>
+      <p:sp>
+        <p:nvSpPr>
+          <p:cNvPr id="11" name="Content Placeholder 2"/>
+          <p:cNvSpPr>
+            <a:spLocks noGrp="1"/>
+          </p:cNvSpPr>
+          <p:nvPr>
+            <p:ph idx="1"/>
+          </p:nvPr>
+        </p:nvSpPr>
+        <p:spPr>
+          <a:xfrm>
+            <a:off x="609600" y="914400"/>
+            <a:ext cx="7698509" cy="5541818"/>
+          </a:xfrm>
+        </p:spPr>
+        <p:txBody>
+          <a:bodyPr>
+            <a:noAutofit/>
+          </a:bodyPr>
+          <a:lstStyle/>
+          <a:p>
+            <a:r>
+              <a:rPr lang="en-US" sz="2000" b="1" dirty="0" smtClean="0"/>
+              <a:t>Lightweight</a:t>
+            </a:r>
+          </a:p>
+          <a:p>
+            <a:r>
+              <a:rPr lang="en-US" sz="2000" b="1" dirty="0" smtClean="0"/>
+              <a:t>Reusable Components</a:t>
+            </a:r>
+          </a:p>
+          <a:p>
+            <a:r>
+              <a:rPr lang="en-US" sz="2000" b="1" dirty="0" smtClean="0"/>
+              <a:t>Directives</a:t>
+            </a:r>
+          </a:p>
+          <a:p>
+            <a:r>
+              <a:rPr lang="en-US" sz="2000" b="1" dirty="0" smtClean="0"/>
+              <a:t>Event Handling</a:t>
+            </a:r>
+          </a:p>
+          <a:p>
+            <a:r>
+              <a:rPr lang="en-US" sz="2000" b="1" smtClean="0"/>
+              <a:t>Routing</a:t>
+            </a:r>
+            <a:endParaRPr lang="bg-BG" sz="2000" dirty="0" smtClean="0"/>
+          </a:p>
+        </p:txBody>
+      </p:sp>
+    </p:spTree>
+  </p:cSld>
+  <p:clrMapOvr>
+    <a:masterClrMapping/>
+  </p:clrMapOvr>
+</p:sld>
+</file>
+
+<file path=ppt/slides/slide2.xml><?xml version="1.0" encoding="utf-8"?>
+<p:sld xmlns:a="http://schemas.openxmlformats.org/drawingml/2006/main" xmlns:r="http://schemas.openxmlformats.org/officeDocument/2006/relationships" xmlns:p="http://schemas.openxmlformats.org/presentationml/2006/main">
+  <p:cSld>
+    <p:spTree>
+      <p:nvGrpSpPr>
+        <p:cNvPr id="1" name=""/>
+        <p:cNvGrpSpPr/>
+        <p:nvPr/>
+      </p:nvGrpSpPr>
+      <p:grpSpPr>
+        <a:xfrm>
+          <a:off x="0" y="0"/>
+          <a:ext cx="0" cy="0"/>
+          <a:chOff x="0" y="0"/>
+          <a:chExt cx="0" cy="0"/>
+        </a:xfrm>
+      </p:grpSpPr>
+      <p:sp>
+        <p:nvSpPr>
+          <p:cNvPr id="2" name="Title 1"/>
+          <p:cNvSpPr>
+            <a:spLocks noGrp="1"/>
+          </p:cNvSpPr>
+          <p:nvPr>
+            <p:ph type="title"/>
+          </p:nvPr>
+        </p:nvSpPr>
+        <p:spPr/>
+        <p:txBody>
+          <a:bodyPr>
+            <a:normAutofit fontScale="90000"/>
+          </a:bodyPr>
+          <a:lstStyle/>
+          <a:p>
+            <a:r>
+              <a:rPr lang="en-US" dirty="0" smtClean="0"/>
+              <a:t>Vue.js</a:t>
+            </a:r>
+            <a:br>
+              <a:rPr lang="en-US" dirty="0" smtClean="0"/>
+            </a:br>
+            <a:r>
+              <a:rPr lang="en-US" dirty="0" smtClean="0"/>
+              <a:t>Introduction</a:t>
+            </a:r>
+            <a:endParaRPr lang="en-US" dirty="0"/>
+          </a:p>
+        </p:txBody>
+      </p:sp>
+      <p:sp>
+        <p:nvSpPr>
+          <p:cNvPr id="5" name="Content Placeholder 4"/>
+          <p:cNvSpPr>
+            <a:spLocks noGrp="1"/>
+          </p:cNvSpPr>
+          <p:nvPr>
+            <p:ph idx="1"/>
+          </p:nvPr>
+        </p:nvSpPr>
+        <p:spPr/>
+        <p:txBody>
+          <a:bodyPr>
+            <a:noAutofit/>
+          </a:bodyPr>
+          <a:lstStyle/>
+          <a:p>
+            <a:pPr>
+              <a:buFont typeface="+mj-lt"/>
+              <a:buAutoNum type="arabicPeriod"/>
+            </a:pPr>
+            <a:endParaRPr lang="ar-EG" sz="2000" dirty="0" smtClean="0"/>
+          </a:p>
+          <a:p>
+            <a:pPr>
+              <a:buFont typeface="+mj-lt"/>
+              <a:buAutoNum type="arabicPeriod"/>
+            </a:pPr>
+            <a:r>
+              <a:rPr lang="en-US" sz="2000" dirty="0" smtClean="0"/>
+              <a:t>Client/Server Architecture</a:t>
+            </a:r>
+          </a:p>
+          <a:p>
+            <a:pPr>
+              <a:buFont typeface="+mj-lt"/>
+              <a:buAutoNum type="arabicPeriod"/>
+            </a:pPr>
+            <a:r>
+              <a:rPr lang="en-US" sz="2000" dirty="0" smtClean="0"/>
+              <a:t>JavaScript Quick review</a:t>
+            </a:r>
+          </a:p>
+          <a:p>
+            <a:pPr>
+              <a:buFont typeface="+mj-lt"/>
+              <a:buAutoNum type="arabicPeriod"/>
+            </a:pPr>
+            <a:r>
+              <a:rPr lang="en-US" sz="2000" dirty="0" smtClean="0"/>
+              <a:t>JSON</a:t>
+            </a:r>
+          </a:p>
+          <a:p>
+            <a:pPr>
+              <a:buFont typeface="+mj-lt"/>
+              <a:buAutoNum type="arabicPeriod"/>
+            </a:pPr>
+            <a:r>
+              <a:rPr lang="en-US" sz="2000" dirty="0" err="1" smtClean="0"/>
+              <a:t>Git</a:t>
+            </a:r>
+            <a:endParaRPr lang="ar-EG" sz="2000" dirty="0" smtClean="0"/>
+          </a:p>
+          <a:p>
+            <a:pPr>
+              <a:buFont typeface="+mj-lt"/>
+              <a:buAutoNum type="arabicPeriod"/>
+            </a:pPr>
+            <a:r>
+              <a:rPr lang="en-US" sz="2000" dirty="0" smtClean="0"/>
+              <a:t>What is Vue.js</a:t>
+            </a:r>
+          </a:p>
+          <a:p>
+            <a:pPr>
+              <a:buFont typeface="+mj-lt"/>
+              <a:buAutoNum type="arabicPeriod"/>
+            </a:pPr>
+            <a:r>
+              <a:rPr lang="en-US" sz="2000" dirty="0" smtClean="0"/>
+              <a:t>Environment Setup </a:t>
+            </a:r>
+          </a:p>
+          <a:p>
+            <a:pPr>
+              <a:buFont typeface="+mj-lt"/>
+              <a:buAutoNum type="arabicPeriod"/>
+            </a:pPr>
+            <a:r>
+              <a:rPr lang="en-US" sz="2000" dirty="0" smtClean="0"/>
+              <a:t>Vue.js reference</a:t>
+            </a:r>
+          </a:p>
+          <a:p>
+            <a:pPr>
+              <a:buFont typeface="+mj-lt"/>
+              <a:buAutoNum type="arabicPeriod"/>
+            </a:pPr>
+            <a:endParaRPr lang="en-US" sz="2000" dirty="0" smtClean="0"/>
+          </a:p>
+          <a:p>
+            <a:pPr>
+              <a:buFont typeface="+mj-lt"/>
+              <a:buAutoNum type="arabicPeriod"/>
+            </a:pPr>
+            <a:endParaRPr lang="en-US" sz="2000" dirty="0" smtClean="0"/>
+          </a:p>
+          <a:p>
+            <a:pPr>
+              <a:buFont typeface="+mj-lt"/>
+              <a:buAutoNum type="arabicPeriod"/>
+            </a:pPr>
+            <a:endParaRPr lang="en-US" sz="2000" dirty="0" smtClean="0"/>
+          </a:p>
+          <a:p>
+            <a:endParaRPr lang="en-US" sz="1400" dirty="0" smtClean="0"/>
+          </a:p>
+          <a:p>
+            <a:endParaRPr lang="en-US" sz="1400" dirty="0" smtClean="0"/>
+          </a:p>
+          <a:p>
+            <a:endParaRPr lang="en-US" sz="1400" dirty="0" smtClean="0"/>
+          </a:p>
+          <a:p>
+            <a:endParaRPr lang="en-US" sz="1400" dirty="0" smtClean="0"/>
+          </a:p>
+          <a:p>
+            <a:endParaRPr lang="en-US" sz="1400" dirty="0"/>
+          </a:p>
+        </p:txBody>
+      </p:sp>
+    </p:spTree>
+  </p:cSld>
+  <p:clrMapOvr>
+    <a:masterClrMapping/>
+  </p:clrMapOvr>
+</p:sld>
+</file>
+
+<file path=ppt/slides/slide20.xml><?xml version="1.0" encoding="utf-8"?>
 <p:sld xmlns:a="http://schemas.openxmlformats.org/drawingml/2006/main" xmlns:r="http://schemas.openxmlformats.org/officeDocument/2006/relationships" xmlns:p="http://schemas.openxmlformats.org/presentationml/2006/main">
   <p:cSld>
     <p:spTree>
@@ -11710,7 +12115,7 @@
 </p:sld>
 </file>
 
-<file path=ppt/slides/slide19.xml><?xml version="1.0" encoding="utf-8"?>
+<file path=ppt/slides/slide21.xml><?xml version="1.0" encoding="utf-8"?>
 <p:sld xmlns:a="http://schemas.openxmlformats.org/drawingml/2006/main" xmlns:r="http://schemas.openxmlformats.org/officeDocument/2006/relationships" xmlns:p="http://schemas.openxmlformats.org/presentationml/2006/main">
   <p:cSld>
     <p:spTree>
@@ -11796,7 +12201,7 @@
 </p:sld>
 </file>
 
-<file path=ppt/slides/slide2.xml><?xml version="1.0" encoding="utf-8"?>
+<file path=ppt/slides/slide22.xml><?xml version="1.0" encoding="utf-8"?>
 <p:sld xmlns:a="http://schemas.openxmlformats.org/drawingml/2006/main" xmlns:r="http://schemas.openxmlformats.org/officeDocument/2006/relationships" xmlns:p="http://schemas.openxmlformats.org/presentationml/2006/main">
   <p:cSld>
     <p:spTree>
@@ -11832,15 +12237,19 @@
           <a:p>
             <a:r>
               <a:rPr lang="en-US" dirty="0" smtClean="0"/>
-              <a:t>Vue.js</a:t>
+              <a:t>Vue.js Course  </a:t>
+            </a:r>
+            <a:r>
+              <a:rPr lang="en-US" dirty="0" err="1" smtClean="0"/>
+              <a:t>PreRequisite</a:t>
+            </a:r>
+            <a:r>
+              <a:rPr lang="en-US" dirty="0" smtClean="0"/>
+              <a:t/>
             </a:r>
             <a:br>
               <a:rPr lang="en-US" dirty="0" smtClean="0"/>
             </a:br>
-            <a:r>
-              <a:rPr lang="en-US" dirty="0" smtClean="0"/>
-              <a:t>Introduction</a:t>
-            </a:r>
             <a:endParaRPr lang="en-US" dirty="0"/>
           </a:p>
         </p:txBody>
@@ -11862,118 +12271,58 @@
           </a:bodyPr>
           <a:lstStyle/>
           <a:p>
-            <a:pPr>
-              <a:buFont typeface="+mj-lt"/>
-              <a:buAutoNum type="arabicPeriod"/>
+            <a:r>
+              <a:rPr lang="en-US" sz="2400" b="1" dirty="0" smtClean="0"/>
+              <a:t>Requirements   necessary</a:t>
+            </a:r>
+          </a:p>
+          <a:p>
+            <a:pPr lvl="1"/>
+            <a:r>
+              <a:rPr lang="en-US" sz="2000" dirty="0" smtClean="0"/>
+              <a:t>HTML</a:t>
+            </a:r>
+          </a:p>
+          <a:p>
+            <a:pPr lvl="1"/>
+            <a:r>
+              <a:rPr lang="en-US" sz="2000" dirty="0" smtClean="0"/>
+              <a:t>JS</a:t>
+            </a:r>
+          </a:p>
+          <a:p>
+            <a:pPr lvl="1">
+              <a:buNone/>
             </a:pPr>
-            <a:endParaRPr lang="ar-EG" sz="2000" dirty="0" smtClean="0"/>
-          </a:p>
-          <a:p>
-            <a:pPr>
-              <a:buFont typeface="+mj-lt"/>
-              <a:buAutoNum type="arabicPeriod"/>
-            </a:pPr>
+            <a:endParaRPr lang="en-US" sz="2000" dirty="0" smtClean="0"/>
+          </a:p>
+          <a:p>
+            <a:endParaRPr lang="en-US" sz="2400" dirty="0" smtClean="0"/>
+          </a:p>
+          <a:p>
+            <a:r>
+              <a:rPr lang="en-US" sz="2400" b="1" dirty="0" smtClean="0"/>
+              <a:t>Preferred </a:t>
+            </a:r>
+          </a:p>
+          <a:p>
+            <a:pPr lvl="1"/>
             <a:r>
               <a:rPr lang="en-US" sz="2000" dirty="0" smtClean="0"/>
-              <a:t>Client/Server Architecture</a:t>
-            </a:r>
-          </a:p>
-          <a:p>
-            <a:pPr>
-              <a:buFont typeface="+mj-lt"/>
-              <a:buAutoNum type="arabicPeriod"/>
-            </a:pPr>
-            <a:r>
-              <a:rPr lang="en-US" sz="2000" dirty="0" smtClean="0"/>
-              <a:t>JavaScript Quick review</a:t>
-            </a:r>
-          </a:p>
-          <a:p>
-            <a:pPr>
-              <a:buFont typeface="+mj-lt"/>
-              <a:buAutoNum type="arabicPeriod"/>
-            </a:pPr>
-            <a:r>
-              <a:rPr lang="en-US" sz="2000" dirty="0" smtClean="0"/>
-              <a:t>JSON</a:t>
-            </a:r>
-          </a:p>
-          <a:p>
-            <a:pPr>
-              <a:buFont typeface="+mj-lt"/>
-              <a:buAutoNum type="arabicPeriod"/>
-            </a:pPr>
+              <a:t>CSS</a:t>
+            </a:r>
+          </a:p>
+          <a:p>
+            <a:pPr lvl="1"/>
             <a:r>
               <a:rPr lang="en-US" sz="2000" dirty="0" err="1" smtClean="0"/>
               <a:t>Git</a:t>
             </a:r>
-            <a:endParaRPr lang="ar-EG" sz="2000" dirty="0" smtClean="0"/>
-          </a:p>
-          <a:p>
-            <a:pPr>
-              <a:buFont typeface="+mj-lt"/>
-              <a:buAutoNum type="arabicPeriod"/>
-            </a:pPr>
-            <a:r>
-              <a:rPr lang="en-US" sz="2000" dirty="0" smtClean="0"/>
-              <a:t>What is Vue.js</a:t>
-            </a:r>
-          </a:p>
-          <a:p>
-            <a:pPr>
-              <a:buFont typeface="+mj-lt"/>
-              <a:buAutoNum type="arabicPeriod"/>
-            </a:pPr>
-            <a:r>
-              <a:rPr lang="en-US" sz="2000" dirty="0" smtClean="0"/>
-              <a:t>Environment Setup </a:t>
-            </a:r>
-          </a:p>
-          <a:p>
-            <a:pPr>
-              <a:buFont typeface="+mj-lt"/>
-              <a:buAutoNum type="arabicPeriod"/>
-            </a:pPr>
-            <a:r>
-              <a:rPr lang="en-US" sz="2000" dirty="0" smtClean="0"/>
-              <a:t>Vue.js reference</a:t>
-            </a:r>
-          </a:p>
-          <a:p>
-            <a:pPr>
-              <a:buFont typeface="+mj-lt"/>
-              <a:buAutoNum type="arabicPeriod"/>
-            </a:pPr>
             <a:endParaRPr lang="en-US" sz="2000" dirty="0" smtClean="0"/>
           </a:p>
           <a:p>
-            <a:pPr>
-              <a:buFont typeface="+mj-lt"/>
-              <a:buAutoNum type="arabicPeriod"/>
-            </a:pPr>
-            <a:endParaRPr lang="en-US" sz="2000" dirty="0" smtClean="0"/>
-          </a:p>
-          <a:p>
-            <a:pPr>
-              <a:buFont typeface="+mj-lt"/>
-              <a:buAutoNum type="arabicPeriod"/>
-            </a:pPr>
-            <a:endParaRPr lang="en-US" sz="2000" dirty="0" smtClean="0"/>
-          </a:p>
-          <a:p>
-            <a:endParaRPr lang="en-US" sz="1400" dirty="0" smtClean="0"/>
-          </a:p>
-          <a:p>
-            <a:endParaRPr lang="en-US" sz="1400" dirty="0" smtClean="0"/>
-          </a:p>
-          <a:p>
-            <a:endParaRPr lang="en-US" sz="1400" dirty="0" smtClean="0"/>
-          </a:p>
-          <a:p>
-            <a:endParaRPr lang="en-US" sz="1400" dirty="0" smtClean="0"/>
-          </a:p>
-          <a:p>
-            <a:endParaRPr lang="en-US" sz="1400" dirty="0"/>
+            <a:pPr lvl="1"/>
+            <a:endParaRPr lang="en-US" sz="2000" dirty="0"/>
           </a:p>
         </p:txBody>
       </p:sp>
@@ -11985,7 +12334,7 @@
 </p:sld>
 </file>
 
-<file path=ppt/slides/slide20.xml><?xml version="1.0" encoding="utf-8"?>
+<file path=ppt/slides/slide23.xml><?xml version="1.0" encoding="utf-8"?>
 <p:sld xmlns:a="http://schemas.openxmlformats.org/drawingml/2006/main" xmlns:r="http://schemas.openxmlformats.org/officeDocument/2006/relationships" xmlns:p="http://schemas.openxmlformats.org/presentationml/2006/main">
   <p:cSld>
     <p:spTree>
@@ -12021,139 +12370,6 @@
           <a:p>
             <a:r>
               <a:rPr lang="en-US" dirty="0" smtClean="0"/>
-              <a:t>Vue.js Course  </a:t>
-            </a:r>
-            <a:r>
-              <a:rPr lang="en-US" dirty="0" err="1" smtClean="0"/>
-              <a:t>PreRequisite</a:t>
-            </a:r>
-            <a:r>
-              <a:rPr lang="en-US" dirty="0" smtClean="0"/>
-              <a:t/>
-            </a:r>
-            <a:br>
-              <a:rPr lang="en-US" dirty="0" smtClean="0"/>
-            </a:br>
-            <a:endParaRPr lang="en-US" dirty="0"/>
-          </a:p>
-        </p:txBody>
-      </p:sp>
-      <p:sp>
-        <p:nvSpPr>
-          <p:cNvPr id="5" name="Content Placeholder 4"/>
-          <p:cNvSpPr>
-            <a:spLocks noGrp="1"/>
-          </p:cNvSpPr>
-          <p:nvPr>
-            <p:ph idx="1"/>
-          </p:nvPr>
-        </p:nvSpPr>
-        <p:spPr/>
-        <p:txBody>
-          <a:bodyPr>
-            <a:noAutofit/>
-          </a:bodyPr>
-          <a:lstStyle/>
-          <a:p>
-            <a:r>
-              <a:rPr lang="en-US" sz="2400" b="1" dirty="0" smtClean="0"/>
-              <a:t>Requirements   necessary</a:t>
-            </a:r>
-          </a:p>
-          <a:p>
-            <a:pPr lvl="1"/>
-            <a:r>
-              <a:rPr lang="en-US" sz="2000" dirty="0" smtClean="0"/>
-              <a:t>HTML</a:t>
-            </a:r>
-          </a:p>
-          <a:p>
-            <a:pPr lvl="1"/>
-            <a:r>
-              <a:rPr lang="en-US" sz="2000" dirty="0" smtClean="0"/>
-              <a:t>JS</a:t>
-            </a:r>
-          </a:p>
-          <a:p>
-            <a:pPr lvl="1">
-              <a:buNone/>
-            </a:pPr>
-            <a:endParaRPr lang="en-US" sz="2000" dirty="0" smtClean="0"/>
-          </a:p>
-          <a:p>
-            <a:endParaRPr lang="en-US" sz="2400" dirty="0" smtClean="0"/>
-          </a:p>
-          <a:p>
-            <a:r>
-              <a:rPr lang="en-US" sz="2400" b="1" dirty="0" smtClean="0"/>
-              <a:t>Preferred </a:t>
-            </a:r>
-          </a:p>
-          <a:p>
-            <a:pPr lvl="1"/>
-            <a:r>
-              <a:rPr lang="en-US" sz="2000" dirty="0" smtClean="0"/>
-              <a:t>CSS</a:t>
-            </a:r>
-          </a:p>
-          <a:p>
-            <a:pPr lvl="1"/>
-            <a:r>
-              <a:rPr lang="en-US" sz="2000" dirty="0" err="1" smtClean="0"/>
-              <a:t>Git</a:t>
-            </a:r>
-            <a:endParaRPr lang="en-US" sz="2000" dirty="0" smtClean="0"/>
-          </a:p>
-          <a:p>
-            <a:pPr lvl="1"/>
-            <a:endParaRPr lang="en-US" sz="2000" dirty="0"/>
-          </a:p>
-        </p:txBody>
-      </p:sp>
-    </p:spTree>
-  </p:cSld>
-  <p:clrMapOvr>
-    <a:masterClrMapping/>
-  </p:clrMapOvr>
-</p:sld>
-</file>
-
-<file path=ppt/slides/slide21.xml><?xml version="1.0" encoding="utf-8"?>
-<p:sld xmlns:a="http://schemas.openxmlformats.org/drawingml/2006/main" xmlns:r="http://schemas.openxmlformats.org/officeDocument/2006/relationships" xmlns:p="http://schemas.openxmlformats.org/presentationml/2006/main">
-  <p:cSld>
-    <p:spTree>
-      <p:nvGrpSpPr>
-        <p:cNvPr id="1" name=""/>
-        <p:cNvGrpSpPr/>
-        <p:nvPr/>
-      </p:nvGrpSpPr>
-      <p:grpSpPr>
-        <a:xfrm>
-          <a:off x="0" y="0"/>
-          <a:ext cx="0" cy="0"/>
-          <a:chOff x="0" y="0"/>
-          <a:chExt cx="0" cy="0"/>
-        </a:xfrm>
-      </p:grpSpPr>
-      <p:sp>
-        <p:nvSpPr>
-          <p:cNvPr id="2" name="Title 1"/>
-          <p:cNvSpPr>
-            <a:spLocks noGrp="1"/>
-          </p:cNvSpPr>
-          <p:nvPr>
-            <p:ph type="title"/>
-          </p:nvPr>
-        </p:nvSpPr>
-        <p:spPr/>
-        <p:txBody>
-          <a:bodyPr>
-            <a:normAutofit fontScale="90000"/>
-          </a:bodyPr>
-          <a:lstStyle/>
-          <a:p>
-            <a:r>
-              <a:rPr lang="en-US" dirty="0" smtClean="0"/>
               <a:t>Environment Setup </a:t>
             </a:r>
             <a:br>
@@ -12209,7 +12425,6 @@
               <a:rPr lang="en-US" dirty="0" smtClean="0"/>
               <a:t> </a:t>
             </a:r>
-            <a:endParaRPr lang="en-US" dirty="0" smtClean="0"/>
           </a:p>
           <a:p>
             <a:pPr marL="514350" indent="-514350">
@@ -12417,7 +12632,7 @@
 </p:sld>
 </file>
 
-<file path=ppt/slides/slide22.xml><?xml version="1.0" encoding="utf-8"?>
+<file path=ppt/slides/slide24.xml><?xml version="1.0" encoding="utf-8"?>
 <p:sld xmlns:a="http://schemas.openxmlformats.org/drawingml/2006/main" xmlns:r="http://schemas.openxmlformats.org/officeDocument/2006/relationships" xmlns:p="http://schemas.openxmlformats.org/presentationml/2006/main">
   <p:cSld>
     <p:spTree>
@@ -12582,7 +12797,7 @@
 </p:sld>
 </file>
 
-<file path=ppt/slides/slide23.xml><?xml version="1.0" encoding="utf-8"?>
+<file path=ppt/slides/slide25.xml><?xml version="1.0" encoding="utf-8"?>
 <p:sld xmlns:a="http://schemas.openxmlformats.org/drawingml/2006/main" xmlns:r="http://schemas.openxmlformats.org/officeDocument/2006/relationships" xmlns:p="http://schemas.openxmlformats.org/presentationml/2006/main">
   <p:cSld>
     <p:spTree>
@@ -12746,7 +12961,7 @@
 </p:sld>
 </file>
 
-<file path=ppt/slides/slide24.xml><?xml version="1.0" encoding="utf-8"?>
+<file path=ppt/slides/slide26.xml><?xml version="1.0" encoding="utf-8"?>
 <p:sld xmlns:a="http://schemas.openxmlformats.org/drawingml/2006/main" xmlns:r="http://schemas.openxmlformats.org/officeDocument/2006/relationships" xmlns:p="http://schemas.openxmlformats.org/presentationml/2006/main">
   <p:cSld>
     <p:spTree>
@@ -12839,7 +13054,7 @@
 </p:sld>
 </file>
 
-<file path=ppt/slides/slide25.xml><?xml version="1.0" encoding="utf-8"?>
+<file path=ppt/slides/slide27.xml><?xml version="1.0" encoding="utf-8"?>
 <p:sld xmlns:a="http://schemas.openxmlformats.org/drawingml/2006/main" xmlns:r="http://schemas.openxmlformats.org/officeDocument/2006/relationships" xmlns:p="http://schemas.openxmlformats.org/presentationml/2006/main">
   <p:cSld>
     <p:spTree>
